--- a/FinalProjectPresentation.pptx
+++ b/FinalProjectPresentation.pptx
@@ -213,7 +213,7 @@
           <a:p>
             <a:fld id="{AF959711-A7EF-D641-906E-F27BC87BB6CD}" type="datetimeFigureOut">
               <a:rPr lang="en-US" smtClean="0"/>
-              <a:t>11/11/15</a:t>
+              <a:t>11/12/15</a:t>
             </a:fld>
             <a:endParaRPr lang="en-US"/>
           </a:p>
@@ -1692,7 +1692,7 @@
           <a:p>
             <a:fld id="{6BFECD78-3C8E-49F2-8FAB-59489D168ABB}" type="datetimeFigureOut">
               <a:rPr lang="en-US" smtClean="0"/>
-              <a:t>11/11/15</a:t>
+              <a:t>11/12/15</a:t>
             </a:fld>
             <a:endParaRPr lang="en-US"/>
           </a:p>
@@ -1862,7 +1862,7 @@
           <a:p>
             <a:fld id="{6BFECD78-3C8E-49F2-8FAB-59489D168ABB}" type="datetimeFigureOut">
               <a:rPr lang="en-US" smtClean="0"/>
-              <a:t>11/11/15</a:t>
+              <a:t>11/12/15</a:t>
             </a:fld>
             <a:endParaRPr lang="en-US"/>
           </a:p>
@@ -2042,7 +2042,7 @@
           <a:p>
             <a:fld id="{6BFECD78-3C8E-49F2-8FAB-59489D168ABB}" type="datetimeFigureOut">
               <a:rPr lang="en-US" smtClean="0"/>
-              <a:t>11/11/15</a:t>
+              <a:t>11/12/15</a:t>
             </a:fld>
             <a:endParaRPr lang="en-US"/>
           </a:p>
@@ -2212,7 +2212,7 @@
           <a:p>
             <a:fld id="{6BFECD78-3C8E-49F2-8FAB-59489D168ABB}" type="datetimeFigureOut">
               <a:rPr lang="en-US" smtClean="0"/>
-              <a:t>11/11/15</a:t>
+              <a:t>11/12/15</a:t>
             </a:fld>
             <a:endParaRPr lang="en-US"/>
           </a:p>
@@ -2458,7 +2458,7 @@
           <a:p>
             <a:fld id="{6BFECD78-3C8E-49F2-8FAB-59489D168ABB}" type="datetimeFigureOut">
               <a:rPr lang="en-US" smtClean="0"/>
-              <a:t>11/11/15</a:t>
+              <a:t>11/12/15</a:t>
             </a:fld>
             <a:endParaRPr lang="en-US"/>
           </a:p>
@@ -2746,7 +2746,7 @@
           <a:p>
             <a:fld id="{6BFECD78-3C8E-49F2-8FAB-59489D168ABB}" type="datetimeFigureOut">
               <a:rPr lang="en-US" smtClean="0"/>
-              <a:t>11/11/15</a:t>
+              <a:t>11/12/15</a:t>
             </a:fld>
             <a:endParaRPr lang="en-US"/>
           </a:p>
@@ -3168,7 +3168,7 @@
           <a:p>
             <a:fld id="{6BFECD78-3C8E-49F2-8FAB-59489D168ABB}" type="datetimeFigureOut">
               <a:rPr lang="en-US" smtClean="0"/>
-              <a:t>11/11/15</a:t>
+              <a:t>11/12/15</a:t>
             </a:fld>
             <a:endParaRPr lang="en-US"/>
           </a:p>
@@ -3286,7 +3286,7 @@
           <a:p>
             <a:fld id="{6BFECD78-3C8E-49F2-8FAB-59489D168ABB}" type="datetimeFigureOut">
               <a:rPr lang="en-US" smtClean="0"/>
-              <a:t>11/11/15</a:t>
+              <a:t>11/12/15</a:t>
             </a:fld>
             <a:endParaRPr lang="en-US"/>
           </a:p>
@@ -3381,7 +3381,7 @@
           <a:p>
             <a:fld id="{6BFECD78-3C8E-49F2-8FAB-59489D168ABB}" type="datetimeFigureOut">
               <a:rPr lang="en-US" smtClean="0"/>
-              <a:t>11/11/15</a:t>
+              <a:t>11/12/15</a:t>
             </a:fld>
             <a:endParaRPr lang="en-US"/>
           </a:p>
@@ -3658,7 +3658,7 @@
           <a:p>
             <a:fld id="{6BFECD78-3C8E-49F2-8FAB-59489D168ABB}" type="datetimeFigureOut">
               <a:rPr lang="en-US" smtClean="0"/>
-              <a:t>11/11/15</a:t>
+              <a:t>11/12/15</a:t>
             </a:fld>
             <a:endParaRPr lang="en-US"/>
           </a:p>
@@ -3915,7 +3915,7 @@
           <a:p>
             <a:fld id="{6BFECD78-3C8E-49F2-8FAB-59489D168ABB}" type="datetimeFigureOut">
               <a:rPr lang="en-US" smtClean="0"/>
-              <a:t>11/11/15</a:t>
+              <a:t>11/12/15</a:t>
             </a:fld>
             <a:endParaRPr lang="en-US"/>
           </a:p>
@@ -4128,7 +4128,7 @@
           <a:p>
             <a:fld id="{6BFECD78-3C8E-49F2-8FAB-59489D168ABB}" type="datetimeFigureOut">
               <a:rPr lang="en-US" smtClean="0"/>
-              <a:t>11/11/15</a:t>
+              <a:t>11/12/15</a:t>
             </a:fld>
             <a:endParaRPr lang="en-US"/>
           </a:p>
@@ -7044,7 +7044,7 @@
         <p:spPr/>
         <p:txBody>
           <a:bodyPr>
-            <a:normAutofit fontScale="55000" lnSpcReduction="20000"/>
+            <a:normAutofit fontScale="62500" lnSpcReduction="20000"/>
           </a:bodyPr>
           <a:lstStyle/>
           <a:p>
@@ -7202,44 +7202,31 @@
           </a:p>
           <a:p>
             <a:r>
+              <a:rPr lang="en-US" dirty="0" smtClean="0">
+                <a:latin typeface="Gill Sans Light"/>
+                <a:cs typeface="Gill Sans Light"/>
+              </a:rPr>
+              <a:t>Please </a:t>
+            </a:r>
+            <a:r>
               <a:rPr lang="en-US" dirty="0">
                 <a:latin typeface="Gill Sans Light"/>
                 <a:cs typeface="Gill Sans Light"/>
               </a:rPr>
-              <a:t>Due to time constraints, I was not able to detail all my reasoning for the feature variables and provide a nice data dictionary but I hope to finish it </a:t>
-            </a:r>
-            <a:r>
-              <a:rPr lang="en-US" dirty="0" smtClean="0">
-                <a:latin typeface="Gill Sans Light"/>
-                <a:cs typeface="Gill Sans Light"/>
-              </a:rPr>
-              <a:t>soon</a:t>
-            </a:r>
-            <a:endParaRPr lang="en-US" dirty="0">
-              <a:latin typeface="Gill Sans Light"/>
-              <a:cs typeface="Gill Sans Light"/>
-            </a:endParaRPr>
-          </a:p>
-          <a:p>
+              <a:t>see the following </a:t>
+            </a:r>
+            <a:r>
+              <a:rPr lang="en-US" dirty="0" smtClean="0">
+                <a:latin typeface="Gill Sans Light"/>
+                <a:cs typeface="Gill Sans Light"/>
+              </a:rPr>
+              <a:t>slide </a:t>
+            </a:r>
             <a:r>
               <a:rPr lang="en-US" dirty="0">
                 <a:latin typeface="Gill Sans Light"/>
                 <a:cs typeface="Gill Sans Light"/>
               </a:rPr>
-              <a:t>Please see the following </a:t>
-            </a:r>
-            <a:r>
-              <a:rPr lang="en-US" dirty="0" smtClean="0">
-                <a:latin typeface="Gill Sans Light"/>
-                <a:cs typeface="Gill Sans Light"/>
-              </a:rPr>
-              <a:t>slide </a:t>
-            </a:r>
-            <a:r>
-              <a:rPr lang="en-US" dirty="0">
-                <a:latin typeface="Gill Sans Light"/>
-                <a:cs typeface="Gill Sans Light"/>
-              </a:rPr>
               <a:t>of links for sources I found extremely helpful to my project and hopefully may be of use to others as </a:t>
             </a:r>
             <a:r>
@@ -7247,7 +7234,21 @@
                 <a:latin typeface="Gill Sans Light"/>
                 <a:cs typeface="Gill Sans Light"/>
               </a:rPr>
-              <a:t>well</a:t>
+              <a:t>well (also available in </a:t>
+            </a:r>
+            <a:r>
+              <a:rPr lang="en-US" dirty="0" err="1" smtClean="0">
+                <a:latin typeface="Gill Sans Light"/>
+                <a:cs typeface="Gill Sans Light"/>
+              </a:rPr>
+              <a:t>github</a:t>
+            </a:r>
+            <a:r>
+              <a:rPr lang="en-US" dirty="0" smtClean="0">
+                <a:latin typeface="Gill Sans Light"/>
+                <a:cs typeface="Gill Sans Light"/>
+              </a:rPr>
+              <a:t> under resources folder)</a:t>
             </a:r>
             <a:endParaRPr lang="en-US" dirty="0">
               <a:latin typeface="Gill Sans Light"/>
@@ -7437,17 +7438,7 @@
                 <a:latin typeface="Gill Sans Light"/>
                 <a:cs typeface="Gill Sans Light"/>
               </a:rPr>
-              <a:t>Cluster Validation</a:t>
-            </a:r>
-            <a:r>
-              <a:rPr lang="en-US" sz="1200" b="1" dirty="0">
-                <a:solidFill>
-                  <a:schemeClr val="bg1"/>
-                </a:solidFill>
-                <a:latin typeface="Gill Sans Light"/>
-                <a:cs typeface="Gill Sans Light"/>
-              </a:rPr>
-              <a:t> </a:t>
+              <a:t>Cluster Validation </a:t>
             </a:r>
             <a:r>
               <a:rPr lang="en-US" sz="1200" b="1" u="sng" dirty="0">
@@ -7510,17 +7501,7 @@
                 <a:latin typeface="Gill Sans Light"/>
                 <a:cs typeface="Gill Sans Light"/>
               </a:rPr>
-              <a:t>Clustering is not a free lunch</a:t>
-            </a:r>
-            <a:r>
-              <a:rPr lang="en-US" sz="1200" b="1" dirty="0">
-                <a:solidFill>
-                  <a:schemeClr val="bg1"/>
-                </a:solidFill>
-                <a:latin typeface="Gill Sans Light"/>
-                <a:cs typeface="Gill Sans Light"/>
-              </a:rPr>
-              <a:t> </a:t>
+              <a:t>Clustering is not a free lunch </a:t>
             </a:r>
             <a:r>
               <a:rPr lang="en-US" sz="1200" b="1" u="sng" dirty="0">
@@ -7646,17 +7627,7 @@
                 <a:latin typeface="Gill Sans Light"/>
                 <a:cs typeface="Gill Sans Light"/>
               </a:rPr>
-              <a:t>Noun Phrases</a:t>
-            </a:r>
-            <a:r>
-              <a:rPr lang="en-US" sz="1200" b="1" dirty="0">
-                <a:solidFill>
-                  <a:schemeClr val="bg1"/>
-                </a:solidFill>
-                <a:latin typeface="Gill Sans Light"/>
-                <a:cs typeface="Gill Sans Light"/>
-              </a:rPr>
-              <a:t> </a:t>
+              <a:t>Noun Phrases </a:t>
             </a:r>
             <a:r>
               <a:rPr lang="en-US" sz="1200" b="1" u="sng" dirty="0">
@@ -7709,17 +7680,7 @@
                 <a:latin typeface="Gill Sans Light"/>
                 <a:cs typeface="Gill Sans Light"/>
               </a:rPr>
-              <a:t>Verb Phrases</a:t>
-            </a:r>
-            <a:r>
-              <a:rPr lang="en-US" sz="1200" b="1" dirty="0">
-                <a:solidFill>
-                  <a:schemeClr val="bg1"/>
-                </a:solidFill>
-                <a:latin typeface="Gill Sans Light"/>
-                <a:cs typeface="Gill Sans Light"/>
-              </a:rPr>
-              <a:t> </a:t>
+              <a:t>Verb Phrases </a:t>
             </a:r>
             <a:r>
               <a:rPr lang="en-US" sz="1200" b="1" u="sng" dirty="0">
@@ -7772,17 +7733,7 @@
                 <a:latin typeface="Gill Sans Light"/>
                 <a:cs typeface="Gill Sans Light"/>
               </a:rPr>
-              <a:t>Adjective Phrases</a:t>
-            </a:r>
-            <a:r>
-              <a:rPr lang="en-US" sz="1200" b="1" dirty="0">
-                <a:solidFill>
-                  <a:schemeClr val="bg1"/>
-                </a:solidFill>
-                <a:latin typeface="Gill Sans Light"/>
-                <a:cs typeface="Gill Sans Light"/>
-              </a:rPr>
-              <a:t> </a:t>
+              <a:t>Adjective Phrases </a:t>
             </a:r>
             <a:r>
               <a:rPr lang="en-US" sz="1200" b="1" u="sng" dirty="0">
@@ -7835,17 +7786,7 @@
                 <a:latin typeface="Gill Sans Light"/>
                 <a:cs typeface="Gill Sans Light"/>
               </a:rPr>
-              <a:t>Token Ratio</a:t>
-            </a:r>
-            <a:r>
-              <a:rPr lang="en-US" sz="1200" b="1" dirty="0">
-                <a:solidFill>
-                  <a:schemeClr val="bg1"/>
-                </a:solidFill>
-                <a:latin typeface="Gill Sans Light"/>
-                <a:cs typeface="Gill Sans Light"/>
-              </a:rPr>
-              <a:t> </a:t>
+              <a:t>Token Ratio </a:t>
             </a:r>
             <a:r>
               <a:rPr lang="en-US" sz="1200" b="1" u="sng" dirty="0">
@@ -7918,17 +7859,7 @@
                 <a:latin typeface="Gill Sans Light"/>
                 <a:cs typeface="Gill Sans Light"/>
               </a:rPr>
-              <a:t> for Word Sense Disambiguation</a:t>
-            </a:r>
-            <a:r>
-              <a:rPr lang="en-US" sz="1200" b="1" dirty="0">
-                <a:solidFill>
-                  <a:schemeClr val="bg1"/>
-                </a:solidFill>
-                <a:latin typeface="Gill Sans Light"/>
-                <a:cs typeface="Gill Sans Light"/>
-              </a:rPr>
-              <a:t> </a:t>
+              <a:t> for Word Sense Disambiguation </a:t>
             </a:r>
             <a:r>
               <a:rPr lang="en-US" sz="1200" b="1" u="sng" dirty="0">
@@ -7991,17 +7922,7 @@
                 <a:latin typeface="Gill Sans Light"/>
                 <a:cs typeface="Gill Sans Light"/>
               </a:rPr>
-              <a:t>Word Sense Disambiguation</a:t>
-            </a:r>
-            <a:r>
-              <a:rPr lang="en-US" sz="1200" b="1" dirty="0">
-                <a:solidFill>
-                  <a:schemeClr val="bg1"/>
-                </a:solidFill>
-                <a:latin typeface="Gill Sans Light"/>
-                <a:cs typeface="Gill Sans Light"/>
-              </a:rPr>
-              <a:t> </a:t>
+              <a:t>Word Sense Disambiguation </a:t>
             </a:r>
             <a:r>
               <a:rPr lang="en-US" sz="1200" b="1" u="sng" dirty="0">
@@ -8054,17 +7975,7 @@
                 <a:latin typeface="Gill Sans Light"/>
                 <a:cs typeface="Gill Sans Light"/>
               </a:rPr>
-              <a:t>Tree Bank Parts of Speech</a:t>
-            </a:r>
-            <a:r>
-              <a:rPr lang="en-US" sz="1200" b="1" dirty="0">
-                <a:solidFill>
-                  <a:schemeClr val="bg1"/>
-                </a:solidFill>
-                <a:latin typeface="Gill Sans Light"/>
-                <a:cs typeface="Gill Sans Light"/>
-              </a:rPr>
-              <a:t> </a:t>
+              <a:t>Tree Bank Parts of Speech </a:t>
             </a:r>
             <a:r>
               <a:rPr lang="en-US" sz="1200" b="1" u="sng" dirty="0">
@@ -8190,17 +8101,7 @@
                 <a:latin typeface="Gill Sans Light"/>
                 <a:cs typeface="Gill Sans Light"/>
               </a:rPr>
-              <a:t>Chunking Tutorial</a:t>
-            </a:r>
-            <a:r>
-              <a:rPr lang="en-US" sz="1200" b="1" dirty="0">
-                <a:solidFill>
-                  <a:schemeClr val="bg1"/>
-                </a:solidFill>
-                <a:latin typeface="Gill Sans Light"/>
-                <a:cs typeface="Gill Sans Light"/>
-              </a:rPr>
-              <a:t> </a:t>
+              <a:t>Chunking Tutorial </a:t>
             </a:r>
             <a:r>
               <a:rPr lang="en-US" sz="1200" b="1" u="sng" dirty="0">
@@ -8263,17 +8164,7 @@
                 <a:latin typeface="Gill Sans Light"/>
                 <a:cs typeface="Gill Sans Light"/>
               </a:rPr>
-              <a:t>How to Chunk (REGEXPARSER EXPLANATION)</a:t>
-            </a:r>
-            <a:r>
-              <a:rPr lang="en-US" sz="1200" b="1" dirty="0">
-                <a:solidFill>
-                  <a:schemeClr val="bg1"/>
-                </a:solidFill>
-                <a:latin typeface="Gill Sans Light"/>
-                <a:cs typeface="Gill Sans Light"/>
-              </a:rPr>
-              <a:t> </a:t>
+              <a:t>How to Chunk (REGEXPARSER EXPLANATION) </a:t>
             </a:r>
             <a:r>
               <a:rPr lang="en-US" sz="1200" b="1" u="sng" dirty="0">
@@ -8326,17 +8217,7 @@
                 <a:latin typeface="Gill Sans Light"/>
                 <a:cs typeface="Gill Sans Light"/>
               </a:rPr>
-              <a:t>Word Sense Disambiguation</a:t>
-            </a:r>
-            <a:r>
-              <a:rPr lang="en-US" sz="1200" b="1" dirty="0">
-                <a:solidFill>
-                  <a:schemeClr val="bg1"/>
-                </a:solidFill>
-                <a:latin typeface="Gill Sans Light"/>
-                <a:cs typeface="Gill Sans Light"/>
-              </a:rPr>
-              <a:t> </a:t>
+              <a:t>Word Sense Disambiguation </a:t>
             </a:r>
             <a:r>
               <a:rPr lang="en-US" sz="1200" b="1" u="sng" dirty="0">
@@ -8399,17 +8280,7 @@
                 <a:latin typeface="Gill Sans Light"/>
                 <a:cs typeface="Gill Sans Light"/>
               </a:rPr>
-              <a:t>Preprocessing Module</a:t>
-            </a:r>
-            <a:r>
-              <a:rPr lang="en-US" sz="1200" b="1" dirty="0">
-                <a:solidFill>
-                  <a:schemeClr val="bg1"/>
-                </a:solidFill>
-                <a:latin typeface="Gill Sans Light"/>
-                <a:cs typeface="Gill Sans Light"/>
-              </a:rPr>
-              <a:t> </a:t>
+              <a:t>Preprocessing Module </a:t>
             </a:r>
             <a:r>
               <a:rPr lang="en-US" sz="1200" b="1" u="sng" dirty="0">
@@ -8482,17 +8353,7 @@
                 <a:latin typeface="Gill Sans Light"/>
                 <a:cs typeface="Gill Sans Light"/>
               </a:rPr>
-              <a:t> Demo</a:t>
-            </a:r>
-            <a:r>
-              <a:rPr lang="en-US" sz="1200" b="1" dirty="0">
-                <a:solidFill>
-                  <a:schemeClr val="bg1"/>
-                </a:solidFill>
-                <a:latin typeface="Gill Sans Light"/>
-                <a:cs typeface="Gill Sans Light"/>
-              </a:rPr>
-              <a:t> </a:t>
+              <a:t> Demo </a:t>
             </a:r>
             <a:r>
               <a:rPr lang="en-US" sz="1200" b="1" u="sng" dirty="0">
@@ -8545,17 +8406,7 @@
                 <a:latin typeface="Gill Sans Light"/>
                 <a:cs typeface="Gill Sans Light"/>
               </a:rPr>
-              <a:t>to Confusion Matrix</a:t>
-            </a:r>
-            <a:r>
-              <a:rPr lang="en-US" sz="1200" b="1" dirty="0">
-                <a:solidFill>
-                  <a:schemeClr val="bg1"/>
-                </a:solidFill>
-                <a:latin typeface="Gill Sans Light"/>
-                <a:cs typeface="Gill Sans Light"/>
-              </a:rPr>
-              <a:t> </a:t>
+              <a:t>to Confusion Matrix </a:t>
             </a:r>
             <a:r>
               <a:rPr lang="en-US" sz="1200" b="1" u="sng" dirty="0">
@@ -8618,17 +8469,7 @@
                 <a:latin typeface="Gill Sans Light"/>
                 <a:cs typeface="Gill Sans Light"/>
               </a:rPr>
-              <a:t>Library</a:t>
-            </a:r>
-            <a:r>
-              <a:rPr lang="en-US" sz="1200" b="1" dirty="0">
-                <a:solidFill>
-                  <a:schemeClr val="bg1"/>
-                </a:solidFill>
-                <a:latin typeface="Gill Sans Light"/>
-                <a:cs typeface="Gill Sans Light"/>
-              </a:rPr>
-              <a:t> </a:t>
+              <a:t>Library </a:t>
             </a:r>
             <a:r>
               <a:rPr lang="en-US" sz="1200" b="1" u="sng" dirty="0">
@@ -8691,17 +8532,7 @@
                 <a:latin typeface="Gill Sans Light"/>
                 <a:cs typeface="Gill Sans Light"/>
               </a:rPr>
-              <a:t>Tutorial</a:t>
-            </a:r>
-            <a:r>
-              <a:rPr lang="en-US" sz="1200" b="1" dirty="0">
-                <a:solidFill>
-                  <a:schemeClr val="bg1"/>
-                </a:solidFill>
-                <a:latin typeface="Gill Sans Light"/>
-                <a:cs typeface="Gill Sans Light"/>
-              </a:rPr>
-              <a:t> </a:t>
+              <a:t>Tutorial </a:t>
             </a:r>
             <a:r>
               <a:rPr lang="en-US" sz="1200" b="1" u="sng" dirty="0">
@@ -9646,11 +9477,6 @@
               </a:rPr>
               <a:t>2</a:t>
             </a:r>
-            <a:endParaRPr lang="en-US" sz="4400" dirty="0">
-              <a:solidFill>
-                <a:srgbClr val="800000"/>
-              </a:solidFill>
-            </a:endParaRPr>
           </a:p>
         </p:txBody>
       </p:sp>
@@ -9684,11 +9510,6 @@
               </a:rPr>
               <a:t>3</a:t>
             </a:r>
-            <a:endParaRPr lang="en-US" sz="4400" dirty="0">
-              <a:solidFill>
-                <a:srgbClr val="800000"/>
-              </a:solidFill>
-            </a:endParaRPr>
           </a:p>
         </p:txBody>
       </p:sp>
@@ -9722,11 +9543,6 @@
               </a:rPr>
               <a:t>4</a:t>
             </a:r>
-            <a:endParaRPr lang="en-US" sz="4400" dirty="0">
-              <a:solidFill>
-                <a:srgbClr val="800000"/>
-              </a:solidFill>
-            </a:endParaRPr>
           </a:p>
         </p:txBody>
       </p:sp>
@@ -9760,11 +9576,6 @@
               </a:rPr>
               <a:t>5</a:t>
             </a:r>
-            <a:endParaRPr lang="en-US" sz="4400" dirty="0">
-              <a:solidFill>
-                <a:srgbClr val="800000"/>
-              </a:solidFill>
-            </a:endParaRPr>
           </a:p>
         </p:txBody>
       </p:sp>
